--- a/Arabic Dialect Recognition.pptx
+++ b/Arabic Dialect Recognition.pptx
@@ -7554,7 +7554,7 @@
           <a:p>
             <a:fld id="{9184DA70-C731-4C70-880D-CCD4705E623C}" type="datetime1">
               <a:rPr lang="en-US" smtClean="0"/>
-              <a:t>3/13/2022</a:t>
+              <a:t>3/14/2022</a:t>
             </a:fld>
             <a:endParaRPr lang="en-US" dirty="0"/>
           </a:p>
@@ -7765,7 +7765,7 @@
           <a:p>
             <a:fld id="{62D6E202-B606-4609-B914-27C9371A1F6D}" type="datetime1">
               <a:rPr lang="en-US" smtClean="0"/>
-              <a:t>3/13/2022</a:t>
+              <a:t>3/14/2022</a:t>
             </a:fld>
             <a:endParaRPr lang="en-US" dirty="0"/>
           </a:p>
@@ -7981,7 +7981,7 @@
           <a:p>
             <a:fld id="{62D6E202-B606-4609-B914-27C9371A1F6D}" type="datetime1">
               <a:rPr lang="en-US" smtClean="0"/>
-              <a:t>3/13/2022</a:t>
+              <a:t>3/14/2022</a:t>
             </a:fld>
             <a:endParaRPr lang="en-US" dirty="0"/>
           </a:p>
@@ -8183,7 +8183,7 @@
           <a:p>
             <a:fld id="{4BE1D723-8F53-4F53-90B0-1982A396982E}" type="datetime1">
               <a:rPr lang="en-US" smtClean="0"/>
-              <a:t>3/13/2022</a:t>
+              <a:t>3/14/2022</a:t>
             </a:fld>
             <a:endParaRPr lang="en-US" dirty="0"/>
           </a:p>
@@ -8462,7 +8462,7 @@
           <a:p>
             <a:fld id="{97669AF7-7BEB-44E4-9852-375E34362B5B}" type="datetime1">
               <a:rPr lang="en-US" smtClean="0"/>
-              <a:t>3/13/2022</a:t>
+              <a:t>3/14/2022</a:t>
             </a:fld>
             <a:endParaRPr lang="en-US" dirty="0"/>
           </a:p>
@@ -8730,7 +8730,7 @@
           <a:p>
             <a:fld id="{BAAAC38D-0552-4C82-B593-E6124DFADBE2}" type="datetime1">
               <a:rPr lang="en-US" smtClean="0"/>
-              <a:t>3/13/2022</a:t>
+              <a:t>3/14/2022</a:t>
             </a:fld>
             <a:endParaRPr lang="en-US" dirty="0"/>
           </a:p>
@@ -9146,7 +9146,7 @@
           <a:p>
             <a:fld id="{D9DF0F1C-5577-4ACB-BB62-DF8F3C494C7E}" type="datetime1">
               <a:rPr lang="en-US" smtClean="0"/>
-              <a:t>3/13/2022</a:t>
+              <a:t>3/14/2022</a:t>
             </a:fld>
             <a:endParaRPr lang="en-US" dirty="0"/>
           </a:p>
@@ -9295,7 +9295,7 @@
           <a:p>
             <a:fld id="{1775B394-D9F9-4F0C-B15D-605F45CB9E9F}" type="datetime1">
               <a:rPr lang="en-US" smtClean="0"/>
-              <a:t>3/13/2022</a:t>
+              <a:t>3/14/2022</a:t>
             </a:fld>
             <a:endParaRPr lang="en-US" dirty="0"/>
           </a:p>
@@ -9421,7 +9421,7 @@
           <a:p>
             <a:fld id="{39667345-2558-425A-8533-9BFDBCE15005}" type="datetime1">
               <a:rPr lang="en-US" smtClean="0"/>
-              <a:t>3/13/2022</a:t>
+              <a:t>3/14/2022</a:t>
             </a:fld>
             <a:endParaRPr lang="en-US" dirty="0"/>
           </a:p>
@@ -9672,7 +9672,7 @@
           <a:p>
             <a:fld id="{92BEA474-078D-4E9B-9B14-09A87B19DC46}" type="datetime1">
               <a:rPr lang="en-US" smtClean="0"/>
-              <a:t>3/13/2022</a:t>
+              <a:t>3/14/2022</a:t>
             </a:fld>
             <a:endParaRPr lang="en-US" dirty="0"/>
           </a:p>
@@ -10118,7 +10118,7 @@
           <a:p>
             <a:fld id="{4907D986-8816-4272-A432-0437A28A9828}" type="datetime1">
               <a:rPr lang="en-US" smtClean="0"/>
-              <a:t>3/13/2022</a:t>
+              <a:t>3/14/2022</a:t>
             </a:fld>
             <a:endParaRPr lang="en-US" dirty="0"/>
           </a:p>
@@ -10446,7 +10446,7 @@
           <a:p>
             <a:fld id="{62D6E202-B606-4609-B914-27C9371A1F6D}" type="datetime1">
               <a:rPr lang="en-US" smtClean="0"/>
-              <a:t>3/13/2022</a:t>
+              <a:t>3/14/2022</a:t>
             </a:fld>
             <a:endParaRPr lang="en-US" dirty="0"/>
           </a:p>
@@ -11606,9 +11606,10 @@
           <a:p>
             <a:pPr lvl="0"/>
             <a:r>
-              <a:rPr lang="en-US" dirty="0"/>
+              <a:rPr lang="en-US"/>
               <a:t>Multilayer Perceptron</a:t>
             </a:r>
+            <a:endParaRPr lang="en-US" dirty="0"/>
           </a:p>
         </p:txBody>
       </p:sp>
@@ -11634,48 +11635,19 @@
           <a:lstStyle/>
           <a:p>
             <a:r>
-              <a:rPr lang="en-US" dirty="0"/>
+              <a:rPr lang="en-US"/>
               <a:t>I used it with TFIDF-transformer with n-gram(2,5)</a:t>
             </a:r>
           </a:p>
           <a:p>
             <a:r>
-              <a:rPr lang="en-US" dirty="0"/>
+              <a:rPr lang="en-US"/>
               <a:t>It achieved a F1-score of 51%</a:t>
             </a:r>
+            <a:endParaRPr lang="en-US" dirty="0"/>
           </a:p>
         </p:txBody>
       </p:sp>
-      <p:pic>
-        <p:nvPicPr>
-          <p:cNvPr id="5" name="Picture 4">
-            <a:extLst>
-              <a:ext uri="{FF2B5EF4-FFF2-40B4-BE49-F238E27FC236}">
-                <a16:creationId xmlns:a16="http://schemas.microsoft.com/office/drawing/2014/main" id="{F1C71305-3CE6-4748-9797-DE7A0B5B3E2F}"/>
-              </a:ext>
-            </a:extLst>
-          </p:cNvPr>
-          <p:cNvPicPr>
-            <a:picLocks noChangeAspect="1"/>
-          </p:cNvPicPr>
-          <p:nvPr/>
-        </p:nvPicPr>
-        <p:blipFill>
-          <a:blip r:embed="rId2"/>
-          <a:stretch>
-            <a:fillRect/>
-          </a:stretch>
-        </p:blipFill>
-        <p:spPr>
-          <a:xfrm>
-            <a:off x="6671235" y="2896661"/>
-            <a:ext cx="4972744" cy="3677163"/>
-          </a:xfrm>
-          <a:prstGeom prst="rect">
-            <a:avLst/>
-          </a:prstGeom>
-        </p:spPr>
-      </p:pic>
       <p:pic>
         <p:nvPicPr>
           <p:cNvPr id="6" name="Picture 5" descr="Background pattern&#10;&#10;Description automatically generated">
@@ -11694,7 +11666,7 @@
           <p:nvPr/>
         </p:nvPicPr>
         <p:blipFill>
-          <a:blip r:embed="rId3"/>
+          <a:blip r:embed="rId2"/>
           <a:stretch>
             <a:fillRect/>
           </a:stretch>
@@ -11703,6 +11675,36 @@
           <a:xfrm>
             <a:off x="233264" y="2863869"/>
             <a:ext cx="6223519" cy="3994131"/>
+          </a:xfrm>
+          <a:prstGeom prst="rect">
+            <a:avLst/>
+          </a:prstGeom>
+        </p:spPr>
+      </p:pic>
+      <p:pic>
+        <p:nvPicPr>
+          <p:cNvPr id="7" name="Picture 6">
+            <a:extLst>
+              <a:ext uri="{FF2B5EF4-FFF2-40B4-BE49-F238E27FC236}">
+                <a16:creationId xmlns:a16="http://schemas.microsoft.com/office/drawing/2014/main" id="{6423E5C6-E863-4DAD-A2C5-11186BE25682}"/>
+              </a:ext>
+            </a:extLst>
+          </p:cNvPr>
+          <p:cNvPicPr>
+            <a:picLocks noChangeAspect="1"/>
+          </p:cNvPicPr>
+          <p:nvPr/>
+        </p:nvPicPr>
+        <p:blipFill>
+          <a:blip r:embed="rId3"/>
+          <a:stretch>
+            <a:fillRect/>
+          </a:stretch>
+        </p:blipFill>
+        <p:spPr>
+          <a:xfrm>
+            <a:off x="6690049" y="2541392"/>
+            <a:ext cx="5901742" cy="4094865"/>
           </a:xfrm>
           <a:prstGeom prst="rect">
             <a:avLst/>
@@ -11804,10 +11806,10 @@
       </p:sp>
       <p:pic>
         <p:nvPicPr>
-          <p:cNvPr id="5" name="Picture 4">
+          <p:cNvPr id="7" name="Picture 6" descr="Diagram, table&#10;&#10;Description automatically generated">
             <a:extLst>
               <a:ext uri="{FF2B5EF4-FFF2-40B4-BE49-F238E27FC236}">
-                <a16:creationId xmlns:a16="http://schemas.microsoft.com/office/drawing/2014/main" id="{F1C71305-3CE6-4748-9797-DE7A0B5B3E2F}"/>
+                <a16:creationId xmlns:a16="http://schemas.microsoft.com/office/drawing/2014/main" id="{C27D7E7A-9C9B-4ABC-B255-EDB91A30930D}"/>
               </a:ext>
             </a:extLst>
           </p:cNvPr>
@@ -11824,8 +11826,8 @@
         </p:blipFill>
         <p:spPr>
           <a:xfrm>
-            <a:off x="205120" y="2999298"/>
-            <a:ext cx="4972744" cy="3677163"/>
+            <a:off x="7869998" y="1935495"/>
+            <a:ext cx="4114800" cy="4740966"/>
           </a:xfrm>
           <a:prstGeom prst="rect">
             <a:avLst/>
@@ -11834,10 +11836,10 @@
       </p:pic>
       <p:pic>
         <p:nvPicPr>
-          <p:cNvPr id="7" name="Picture 6" descr="Diagram, table&#10;&#10;Description automatically generated">
+          <p:cNvPr id="6" name="Picture 5">
             <a:extLst>
               <a:ext uri="{FF2B5EF4-FFF2-40B4-BE49-F238E27FC236}">
-                <a16:creationId xmlns:a16="http://schemas.microsoft.com/office/drawing/2014/main" id="{C27D7E7A-9C9B-4ABC-B255-EDB91A30930D}"/>
+                <a16:creationId xmlns:a16="http://schemas.microsoft.com/office/drawing/2014/main" id="{4A6CFBBC-6E4D-4AE2-A515-2A770332FA7E}"/>
               </a:ext>
             </a:extLst>
           </p:cNvPr>
@@ -11854,8 +11856,8 @@
         </p:blipFill>
         <p:spPr>
           <a:xfrm>
-            <a:off x="7869998" y="1935495"/>
-            <a:ext cx="4114800" cy="4740966"/>
+            <a:off x="1137146" y="2997830"/>
+            <a:ext cx="4740830" cy="3860170"/>
           </a:xfrm>
           <a:prstGeom prst="rect">
             <a:avLst/>
@@ -12247,6 +12249,15 @@
 </file>
 
 <file path=customXml/item2.xml><?xml version="1.0" encoding="utf-8"?>
+<p:properties xmlns:p="http://schemas.microsoft.com/office/2006/metadata/properties" xmlns:xsi="http://www.w3.org/2001/XMLSchema-instance" xmlns:pc="http://schemas.microsoft.com/office/infopath/2007/PartnerControls">
+  <documentManagement>
+    <Status xmlns="71af3243-3dd4-4a8d-8c0d-dd76da1f02a5">Not started</Status>
+    <MediaServiceKeyPoints xmlns="71af3243-3dd4-4a8d-8c0d-dd76da1f02a5" xsi:nil="true"/>
+  </documentManagement>
+</p:properties>
+</file>
+
+<file path=customXml/item3.xml><?xml version="1.0" encoding="utf-8"?>
 <ct:contentTypeSchema xmlns:ct="http://schemas.microsoft.com/office/2006/metadata/contentType" xmlns:ma="http://schemas.microsoft.com/office/2006/metadata/properties/metaAttributes" ct:_="" ma:_="" ma:contentTypeName="Document" ma:contentTypeID="0x01010079F111ED35F8CC479449609E8A0923A6" ma:contentTypeVersion="12" ma:contentTypeDescription="Create a new document." ma:contentTypeScope="" ma:versionID="a410dd7f93c95333ffa1b60ed6adedd1">
   <xsd:schema xmlns:xsd="http://www.w3.org/2001/XMLSchema" xmlns:xs="http://www.w3.org/2001/XMLSchema" xmlns:p="http://schemas.microsoft.com/office/2006/metadata/properties" xmlns:ns2="71af3243-3dd4-4a8d-8c0d-dd76da1f02a5" xmlns:ns3="16c05727-aa75-4e4a-9b5f-8a80a1165891" targetNamespace="http://schemas.microsoft.com/office/2006/metadata/properties" ma:root="true" ma:fieldsID="a936d9baba76aa3866493feff160faab" ns2:_="" ns3:_="">
     <xsd:import namespace="71af3243-3dd4-4a8d-8c0d-dd76da1f02a5"/>
@@ -12467,15 +12478,6 @@
 </ct:contentTypeSchema>
 </file>
 
-<file path=customXml/item3.xml><?xml version="1.0" encoding="utf-8"?>
-<p:properties xmlns:p="http://schemas.microsoft.com/office/2006/metadata/properties" xmlns:xsi="http://www.w3.org/2001/XMLSchema-instance" xmlns:pc="http://schemas.microsoft.com/office/infopath/2007/PartnerControls">
-  <documentManagement>
-    <Status xmlns="71af3243-3dd4-4a8d-8c0d-dd76da1f02a5">Not started</Status>
-    <MediaServiceKeyPoints xmlns="71af3243-3dd4-4a8d-8c0d-dd76da1f02a5" xsi:nil="true"/>
-  </documentManagement>
-</p:properties>
-</file>
-
 <file path=customXml/itemProps1.xml><?xml version="1.0" encoding="utf-8"?>
 <ds:datastoreItem xmlns:ds="http://schemas.openxmlformats.org/officeDocument/2006/customXml" ds:itemID="{AA3F7EDC-E5B4-4BBC-9D2A-CBE6D46C37AD}">
   <ds:schemaRefs>
@@ -12485,6 +12487,16 @@
 </file>
 
 <file path=customXml/itemProps2.xml><?xml version="1.0" encoding="utf-8"?>
+<ds:datastoreItem xmlns:ds="http://schemas.openxmlformats.org/officeDocument/2006/customXml" ds:itemID="{A03EEFF0-FB57-4CB4-8BFC-DF397689E2ED}">
+  <ds:schemaRefs>
+    <ds:schemaRef ds:uri="http://schemas.microsoft.com/office/2006/metadata/properties"/>
+    <ds:schemaRef ds:uri="http://schemas.microsoft.com/office/infopath/2007/PartnerControls"/>
+    <ds:schemaRef ds:uri="71af3243-3dd4-4a8d-8c0d-dd76da1f02a5"/>
+  </ds:schemaRefs>
+</ds:datastoreItem>
+</file>
+
+<file path=customXml/itemProps3.xml><?xml version="1.0" encoding="utf-8"?>
 <ds:datastoreItem xmlns:ds="http://schemas.openxmlformats.org/officeDocument/2006/customXml" ds:itemID="{93932EF5-314F-409E-8020-FEE5FA0795B9}">
   <ds:schemaRefs>
     <ds:schemaRef ds:uri="http://schemas.microsoft.com/office/2006/metadata/contentType"/>
@@ -12501,14 +12513,4 @@
     <ds:schemaRef ds:uri="http://schemas.microsoft.com/internal/obd"/>
   </ds:schemaRefs>
 </ds:datastoreItem>
-</file>
-
-<file path=customXml/itemProps3.xml><?xml version="1.0" encoding="utf-8"?>
-<ds:datastoreItem xmlns:ds="http://schemas.openxmlformats.org/officeDocument/2006/customXml" ds:itemID="{A03EEFF0-FB57-4CB4-8BFC-DF397689E2ED}">
-  <ds:schemaRefs>
-    <ds:schemaRef ds:uri="http://schemas.microsoft.com/office/2006/metadata/properties"/>
-    <ds:schemaRef ds:uri="http://schemas.microsoft.com/office/infopath/2007/PartnerControls"/>
-    <ds:schemaRef ds:uri="71af3243-3dd4-4a8d-8c0d-dd76da1f02a5"/>
-  </ds:schemaRefs>
-</ds:datastoreItem>
 </file>